--- a/Content/Container Service/Azure Container Service.pptx
+++ b/Content/Container Service/Azure Container Service.pptx
@@ -12392,11 +12392,7 @@
           <a:p>
             <a:r>
               <a:rPr lang="en-US" dirty="0" smtClean="0"/>
-              <a:t>Azure </a:t>
-            </a:r>
-            <a:r>
-              <a:rPr lang="en-US" dirty="0" smtClean="0"/>
-              <a:t>Container Service</a:t>
+              <a:t>Azure Container Service</a:t>
             </a:r>
             <a:endParaRPr lang="en-US" dirty="0"/>
           </a:p>
@@ -12504,25 +12500,101 @@
         </p:nvSpPr>
         <p:spPr>
           <a:xfrm>
-            <a:off x="519249" y="1447799"/>
-            <a:ext cx="11151917" cy="1784719"/>
+            <a:off x="519249" y="1825624"/>
+            <a:ext cx="11151917" cy="1427699"/>
           </a:xfrm>
         </p:spPr>
         <p:txBody>
           <a:bodyPr/>
           <a:lstStyle/>
           <a:p>
-            <a:r>
-              <a:rPr lang="en-US" dirty="0" smtClean="0"/>
-              <a:t>Establish SSH tunnel to master load balancer</a:t>
-            </a:r>
-          </a:p>
-          <a:p>
-            <a:r>
-              <a:rPr lang="en-US" dirty="0" smtClean="0"/>
-              <a:t>Use port forwarding to forward local Docker commands to Docker daemon on master LB</a:t>
-            </a:r>
-            <a:endParaRPr lang="en-US" dirty="0"/>
+            <a:pPr marL="457200" indent="-457200">
+              <a:buFont typeface="Arial" panose="020B0604020202020204" pitchFamily="34" charset="0"/>
+              <a:buChar char="•"/>
+            </a:pPr>
+            <a:r>
+              <a:rPr lang="en-US" sz="3199" dirty="0">
+                <a:gradFill>
+                  <a:gsLst>
+                    <a:gs pos="0">
+                      <a:srgbClr val="595959"/>
+                    </a:gs>
+                    <a:gs pos="86000">
+                      <a:srgbClr val="595959"/>
+                    </a:gs>
+                  </a:gsLst>
+                  <a:lin ang="5400000" scaled="0"/>
+                </a:gradFill>
+              </a:rPr>
+              <a:t>Establish SSH </a:t>
+            </a:r>
+            <a:r>
+              <a:rPr lang="en-US" sz="3199" dirty="0">
+                <a:gradFill>
+                  <a:gsLst>
+                    <a:gs pos="0">
+                      <a:srgbClr val="595959"/>
+                    </a:gs>
+                    <a:gs pos="86000">
+                      <a:srgbClr val="595959"/>
+                    </a:gs>
+                  </a:gsLst>
+                  <a:lin ang="5400000" scaled="0"/>
+                </a:gradFill>
+              </a:rPr>
+              <a:t>tunnel to master load balancer</a:t>
+            </a:r>
+          </a:p>
+          <a:p>
+            <a:pPr marL="457200" indent="-457200">
+              <a:buFont typeface="Arial" panose="020B0604020202020204" pitchFamily="34" charset="0"/>
+              <a:buChar char="•"/>
+            </a:pPr>
+            <a:r>
+              <a:rPr lang="en-US" sz="3199" dirty="0">
+                <a:gradFill>
+                  <a:gsLst>
+                    <a:gs pos="0">
+                      <a:srgbClr val="595959"/>
+                    </a:gs>
+                    <a:gs pos="86000">
+                      <a:srgbClr val="595959"/>
+                    </a:gs>
+                  </a:gsLst>
+                  <a:lin ang="5400000" scaled="0"/>
+                </a:gradFill>
+              </a:rPr>
+              <a:t>Use port forwarding to forward local Docker commands to Docker daemon on master </a:t>
+            </a:r>
+            <a:r>
+              <a:rPr lang="en-US" sz="3199" dirty="0" smtClean="0">
+                <a:gradFill>
+                  <a:gsLst>
+                    <a:gs pos="0">
+                      <a:srgbClr val="595959"/>
+                    </a:gs>
+                    <a:gs pos="86000">
+                      <a:srgbClr val="595959"/>
+                    </a:gs>
+                  </a:gsLst>
+                  <a:lin ang="5400000" scaled="0"/>
+                </a:gradFill>
+              </a:rPr>
+              <a:t>load balancer</a:t>
+            </a:r>
+            <a:endParaRPr lang="en-US" sz="3199" dirty="0">
+              <a:gradFill>
+                <a:gsLst>
+                  <a:gs pos="0">
+                    <a:srgbClr val="595959"/>
+                  </a:gs>
+                  <a:gs pos="86000">
+                    <a:srgbClr val="595959"/>
+                  </a:gs>
+                </a:gsLst>
+                <a:lin ang="5400000" scaled="0"/>
+              </a:gradFill>
+            </a:endParaRPr>
           </a:p>
         </p:txBody>
       </p:sp>
@@ -13007,11 +13079,7 @@
           <a:p>
             <a:r>
               <a:rPr lang="en-US" dirty="0" smtClean="0"/>
-              <a:t>Using </a:t>
-            </a:r>
-            <a:r>
-              <a:rPr lang="en-US" dirty="0" smtClean="0"/>
-              <a:t>Azure Container Service</a:t>
+              <a:t>Using Azure Container Service</a:t>
             </a:r>
             <a:endParaRPr lang="en-US" dirty="0"/>
           </a:p>
@@ -13151,23 +13219,7 @@
           <a:p>
             <a:r>
               <a:rPr lang="en-US" dirty="0" smtClean="0"/>
-              <a:t>Smaller, less </a:t>
-            </a:r>
-            <a:r>
-              <a:rPr lang="en-US" dirty="0" smtClean="0"/>
-              <a:t>costly, </a:t>
-            </a:r>
-            <a:r>
-              <a:rPr lang="en-US" dirty="0" smtClean="0"/>
-              <a:t>faster to </a:t>
-            </a:r>
-            <a:r>
-              <a:rPr lang="en-US" dirty="0" smtClean="0"/>
-              <a:t>start, </a:t>
-            </a:r>
-            <a:r>
-              <a:rPr lang="en-US" dirty="0" smtClean="0"/>
-              <a:t>and self-contained</a:t>
+              <a:t>Smaller, less costly, faster to start, and self-contained</a:t>
             </a:r>
           </a:p>
           <a:p>
@@ -14362,15 +14414,7 @@
           <a:p>
             <a:r>
               <a:rPr lang="en-US" dirty="0" smtClean="0"/>
-              <a:t>Supported </a:t>
-            </a:r>
-            <a:r>
-              <a:rPr lang="en-US" dirty="0" smtClean="0"/>
-              <a:t>natively in </a:t>
-            </a:r>
-            <a:r>
-              <a:rPr lang="en-US" dirty="0" smtClean="0"/>
-              <a:t>Azure</a:t>
+              <a:t>Supported natively in Azure</a:t>
             </a:r>
             <a:endParaRPr lang="en-US" dirty="0"/>
           </a:p>
@@ -14569,11 +14613,7 @@
           <a:p>
             <a:r>
               <a:rPr lang="en-US" dirty="0" smtClean="0"/>
-              <a:t>Docker </a:t>
-            </a:r>
-            <a:r>
-              <a:rPr lang="en-US" dirty="0" smtClean="0"/>
-              <a:t>CLI</a:t>
+              <a:t>Docker CLI</a:t>
             </a:r>
             <a:endParaRPr lang="en-US" dirty="0"/>
           </a:p>
@@ -14604,23 +14644,7 @@
           <a:p>
             <a:r>
               <a:rPr lang="en-US" dirty="0" smtClean="0"/>
-              <a:t>CLI for </a:t>
-            </a:r>
-            <a:r>
-              <a:rPr lang="en-US" dirty="0" smtClean="0"/>
-              <a:t>Docker, available for Linux, OS X, and Windows (available separately or </a:t>
-            </a:r>
-            <a:r>
-              <a:rPr lang="en-US" dirty="0" smtClean="0"/>
-              <a:t>as part of</a:t>
-            </a:r>
-            <a:r>
-              <a:rPr lang="en-US" dirty="0" smtClean="0"/>
-              <a:t> Docker </a:t>
-            </a:r>
-            <a:r>
-              <a:rPr lang="en-US" dirty="0" smtClean="0"/>
-              <a:t>Toolbox)</a:t>
+              <a:t>CLI for Docker, available for Linux, OS X, and Windows (available separately or as part of Docker Toolbox)</a:t>
             </a:r>
             <a:endParaRPr lang="en-US" dirty="0"/>
           </a:p>
@@ -15249,29 +15273,7 @@
                   <a:lin ang="5400000" scaled="0"/>
                 </a:gradFill>
               </a:rPr>
-              <a:t>Pul</a:t>
-            </a:r>
-            <a:r>
-              <a:rPr lang="en-US" sz="2400" dirty="0" smtClean="0">
-                <a:gradFill>
-                  <a:gsLst>
-                    <a:gs pos="0">
-                      <a:srgbClr val="292929">
-                        <a:lumMod val="90000"/>
-                        <a:lumOff val="10000"/>
-                      </a:srgbClr>
-                    </a:gs>
-                    <a:gs pos="86000">
-                      <a:srgbClr val="292929">
-                        <a:lumMod val="90000"/>
-                        <a:lumOff val="10000"/>
-                      </a:srgbClr>
-                    </a:gs>
-                  </a:gsLst>
-                  <a:lin ang="5400000" scaled="0"/>
-                </a:gradFill>
-              </a:rPr>
-              <a:t>l "Ubuntu" image from Docker Hub or local registry</a:t>
+              <a:t>Pull "Ubuntu" image from Docker Hub or local registry</a:t>
             </a:r>
             <a:endParaRPr lang="en-US" sz="2400" dirty="0">
               <a:gradFill>
@@ -15948,21 +15950,13 @@
           <a:p>
             <a:r>
               <a:rPr lang="en-US" dirty="0" smtClean="0"/>
-              <a:t>Robust</a:t>
-            </a:r>
+              <a:t>Robust, ready-to-use Docker hosting environment</a:t>
+            </a:r>
+          </a:p>
+          <a:p>
             <a:r>
               <a:rPr lang="en-US" dirty="0" smtClean="0"/>
-              <a:t>, ready-to-use Docker hosting environment</a:t>
-            </a:r>
-          </a:p>
-          <a:p>
-            <a:r>
-              <a:rPr lang="en-US" dirty="0" smtClean="0"/>
-              <a:t>Open-source </a:t>
-            </a:r>
-            <a:r>
-              <a:rPr lang="en-US" dirty="0" smtClean="0"/>
-              <a:t>orchestration tools (DC/OS and Swarm)</a:t>
+              <a:t>Open-source orchestration tools (DC/OS and Swarm)</a:t>
             </a:r>
           </a:p>
         </p:txBody>

--- a/Content/Container Service/Azure Container Service.pptx
+++ b/Content/Container Service/Azure Container Service.pptx
@@ -12526,23 +12526,7 @@
                   <a:lin ang="5400000" scaled="0"/>
                 </a:gradFill>
               </a:rPr>
-              <a:t>Establish SSH </a:t>
-            </a:r>
-            <a:r>
-              <a:rPr lang="en-US" sz="3199" dirty="0">
-                <a:gradFill>
-                  <a:gsLst>
-                    <a:gs pos="0">
-                      <a:srgbClr val="595959"/>
-                    </a:gs>
-                    <a:gs pos="86000">
-                      <a:srgbClr val="595959"/>
-                    </a:gs>
-                  </a:gsLst>
-                  <a:lin ang="5400000" scaled="0"/>
-                </a:gradFill>
-              </a:rPr>
-              <a:t>tunnel to master load balancer</a:t>
+              <a:t>Establish SSH tunnel to master load balancer</a:t>
             </a:r>
           </a:p>
           <a:p>
@@ -12662,7 +12646,14 @@
                 <a:latin typeface="Courier New" panose="02070309020205020404" pitchFamily="49" charset="0"/>
                 <a:cs typeface="Courier New" panose="02070309020205020404" pitchFamily="49" charset="0"/>
               </a:rPr>
-              <a:t> -p 2200 -L 22375:127.0.0.1.2375</a:t>
+              <a:t> -p 2200 -L </a:t>
+            </a:r>
+            <a:r>
+              <a:rPr lang="de-DE" sz="2800" b="1" dirty="0" smtClean="0">
+                <a:latin typeface="Courier New" panose="02070309020205020404" pitchFamily="49" charset="0"/>
+                <a:cs typeface="Courier New" panose="02070309020205020404" pitchFamily="49" charset="0"/>
+              </a:rPr>
+              <a:t>22375:127.0.0.1:2375</a:t>
             </a:r>
             <a:endParaRPr lang="en-US" sz="2800" b="1" dirty="0">
               <a:gradFill>

--- a/Content/Container Service/Azure Container Service.pptx
+++ b/Content/Container Service/Azure Container Service.pptx
@@ -1474,7 +1474,31 @@
                 <a:ea typeface="+mn-ea"/>
                 <a:cs typeface="+mn-cs"/>
               </a:rPr>
-              <a:t> in a terminal window on OS X or Linux. (Windows user need to use a third-party SSH tool such as </a:t>
+              <a:t> in a terminal window on OS X or Linux. (Windows </a:t>
+            </a:r>
+            <a:r>
+              <a:rPr lang="en-US" sz="1200" b="0" i="0" kern="1200" baseline="0" dirty="0" smtClean="0">
+                <a:solidFill>
+                  <a:schemeClr val="tx1"/>
+                </a:solidFill>
+                <a:effectLst/>
+                <a:latin typeface="+mn-lt"/>
+                <a:ea typeface="+mn-ea"/>
+                <a:cs typeface="+mn-cs"/>
+              </a:rPr>
+              <a:t>users </a:t>
+            </a:r>
+            <a:r>
+              <a:rPr lang="en-US" sz="1200" b="0" i="0" kern="1200" baseline="0" dirty="0" smtClean="0">
+                <a:solidFill>
+                  <a:schemeClr val="tx1"/>
+                </a:solidFill>
+                <a:effectLst/>
+                <a:latin typeface="+mn-lt"/>
+                <a:ea typeface="+mn-ea"/>
+                <a:cs typeface="+mn-cs"/>
+              </a:rPr>
+              <a:t>need to use a third-party SSH tool such as </a:t>
             </a:r>
             <a:r>
               <a:rPr lang="en-US" sz="1200" b="0" i="0" kern="1200" baseline="0" dirty="0" err="1" smtClean="0">
@@ -12646,14 +12670,7 @@
                 <a:latin typeface="Courier New" panose="02070309020205020404" pitchFamily="49" charset="0"/>
                 <a:cs typeface="Courier New" panose="02070309020205020404" pitchFamily="49" charset="0"/>
               </a:rPr>
-              <a:t> -p 2200 -L </a:t>
-            </a:r>
-            <a:r>
-              <a:rPr lang="de-DE" sz="2800" b="1" dirty="0" smtClean="0">
-                <a:latin typeface="Courier New" panose="02070309020205020404" pitchFamily="49" charset="0"/>
-                <a:cs typeface="Courier New" panose="02070309020205020404" pitchFamily="49" charset="0"/>
-              </a:rPr>
-              <a:t>22375:127.0.0.1:2375</a:t>
+              <a:t> -p 2200 -L 22375:127.0.0.1:2375</a:t>
             </a:r>
             <a:endParaRPr lang="en-US" sz="2800" b="1" dirty="0">
               <a:gradFill>
@@ -15264,7 +15281,51 @@
                   <a:lin ang="5400000" scaled="0"/>
                 </a:gradFill>
               </a:rPr>
-              <a:t>Pull "Ubuntu" image from Docker Hub or local registry</a:t>
+              <a:t>Pull "</a:t>
+            </a:r>
+            <a:r>
+              <a:rPr lang="en-US" sz="2400" dirty="0" err="1" smtClean="0">
+                <a:gradFill>
+                  <a:gsLst>
+                    <a:gs pos="0">
+                      <a:srgbClr val="292929">
+                        <a:lumMod val="90000"/>
+                        <a:lumOff val="10000"/>
+                      </a:srgbClr>
+                    </a:gs>
+                    <a:gs pos="86000">
+                      <a:srgbClr val="292929">
+                        <a:lumMod val="90000"/>
+                        <a:lumOff val="10000"/>
+                      </a:srgbClr>
+                    </a:gs>
+                  </a:gsLst>
+                  <a:lin ang="5400000" scaled="0"/>
+                </a:gradFill>
+              </a:rPr>
+              <a:t>ubuntu</a:t>
+            </a:r>
+            <a:r>
+              <a:rPr lang="en-US" sz="2400" dirty="0" smtClean="0">
+                <a:gradFill>
+                  <a:gsLst>
+                    <a:gs pos="0">
+                      <a:srgbClr val="292929">
+                        <a:lumMod val="90000"/>
+                        <a:lumOff val="10000"/>
+                      </a:srgbClr>
+                    </a:gs>
+                    <a:gs pos="86000">
+                      <a:srgbClr val="292929">
+                        <a:lumMod val="90000"/>
+                        <a:lumOff val="10000"/>
+                      </a:srgbClr>
+                    </a:gs>
+                  </a:gsLst>
+                  <a:lin ang="5400000" scaled="0"/>
+                </a:gradFill>
+              </a:rPr>
+              <a:t>" image from Docker Hub or local registry</a:t>
             </a:r>
             <a:endParaRPr lang="en-US" sz="2400" dirty="0">
               <a:gradFill>

--- a/Content/Container Service/Azure Container Service.pptx
+++ b/Content/Container Service/Azure Container Service.pptx
@@ -9,15 +9,15 @@
   </p:notesMasterIdLst>
   <p:sldIdLst>
     <p:sldId id="256" r:id="rId2"/>
-    <p:sldId id="278" r:id="rId3"/>
-    <p:sldId id="279" r:id="rId4"/>
-    <p:sldId id="286" r:id="rId5"/>
-    <p:sldId id="282" r:id="rId6"/>
-    <p:sldId id="283" r:id="rId7"/>
-    <p:sldId id="287" r:id="rId8"/>
-    <p:sldId id="280" r:id="rId9"/>
-    <p:sldId id="281" r:id="rId10"/>
-    <p:sldId id="284" r:id="rId11"/>
+    <p:sldId id="288" r:id="rId3"/>
+    <p:sldId id="289" r:id="rId4"/>
+    <p:sldId id="290" r:id="rId5"/>
+    <p:sldId id="292" r:id="rId6"/>
+    <p:sldId id="293" r:id="rId7"/>
+    <p:sldId id="294" r:id="rId8"/>
+    <p:sldId id="295" r:id="rId9"/>
+    <p:sldId id="296" r:id="rId10"/>
+    <p:sldId id="297" r:id="rId11"/>
     <p:sldId id="266" r:id="rId12"/>
     <p:sldId id="267" r:id="rId13"/>
   </p:sldIdLst>
@@ -208,7 +208,7 @@
           <a:p>
             <a:fld id="{2E5CA586-3557-4985-BCD4-35EF5AC8B4A4}" type="datetimeFigureOut">
               <a:rPr lang="en-US" smtClean="0"/>
-              <a:t>8/29/2016</a:t>
+              <a:t>2/5/2017</a:t>
             </a:fld>
             <a:endParaRPr lang="en-US"/>
           </a:p>
@@ -520,6 +520,23 @@
           <a:bodyPr/>
           <a:lstStyle/>
           <a:p>
+            <a:pPr marL="0" marR="0" lvl="0" indent="0" algn="l" defTabSz="914400" rtl="0" eaLnBrk="1" fontAlgn="auto" latinLnBrk="0" hangingPunct="1">
+              <a:lnSpc>
+                <a:spcPct val="100000"/>
+              </a:lnSpc>
+              <a:spcBef>
+                <a:spcPts val="0"/>
+              </a:spcBef>
+              <a:spcAft>
+                <a:spcPts val="0"/>
+              </a:spcAft>
+              <a:buClrTx/>
+              <a:buSzTx/>
+              <a:buFontTx/>
+              <a:buNone/>
+              <a:tabLst/>
+              <a:defRPr/>
+            </a:pPr>
             <a:r>
               <a:rPr lang="en-US" dirty="0" smtClean="0"/>
               <a:t>A</a:t>
@@ -536,7 +553,7 @@
               <a:rPr lang="en-US" baseline="0" dirty="0" smtClean="0"/>
               <a:t> or Hyper-V. Even though a VM runs on a machine that has an operating system, each VM requires its own complete operating system, even if it's the same operating system as the host OS. VMs offer a very high degree of isolation, but at a cost: longer startup times, lower portability (ever tried to move a 127 GB virtual hard disk, or VHD, from one PC to another?), and higher memory requirements. Containers, by contrast, leverage the operating system that is already in place but offer nearly as much separation. RAM requirements are lower since the OS isn't being duplicated in each container, and cost is lower, too, because while cloud platforms typically charge for each VM, a single VM can host multiple container instances.</a:t>
             </a:r>
-            <a:endParaRPr lang="en-US" dirty="0"/>
+            <a:endParaRPr lang="en-US" dirty="0" smtClean="0"/>
           </a:p>
         </p:txBody>
       </p:sp>
@@ -555,7 +572,7 @@
           <a:bodyPr/>
           <a:lstStyle/>
           <a:p>
-            <a:fld id="{01283FAC-A721-45A3-BBDE-EAF2B09B7CD9}" type="slidenum">
+            <a:fld id="{BC60BE34-BC89-4C98-A56B-79B7A098D024}" type="slidenum">
               <a:rPr lang="en-US" smtClean="0"/>
               <a:t>2</a:t>
             </a:fld>
@@ -566,7 +583,7 @@
     </p:spTree>
     <p:extLst>
       <p:ext uri="{BB962C8B-B14F-4D97-AF65-F5344CB8AC3E}">
-        <p14:creationId xmlns:p14="http://schemas.microsoft.com/office/powerpoint/2010/main" val="3814823526"/>
+        <p14:creationId xmlns:p14="http://schemas.microsoft.com/office/powerpoint/2010/main" val="682256457"/>
       </p:ext>
     </p:extLst>
   </p:cSld>
@@ -620,6 +637,23 @@
           <a:bodyPr/>
           <a:lstStyle/>
           <a:p>
+            <a:pPr marL="0" marR="0" lvl="0" indent="0" algn="l" defTabSz="914400" rtl="0" eaLnBrk="1" fontAlgn="auto" latinLnBrk="0" hangingPunct="1">
+              <a:lnSpc>
+                <a:spcPct val="100000"/>
+              </a:lnSpc>
+              <a:spcBef>
+                <a:spcPts val="0"/>
+              </a:spcBef>
+              <a:spcAft>
+                <a:spcPts val="0"/>
+              </a:spcAft>
+              <a:buClrTx/>
+              <a:buSzTx/>
+              <a:buFontTx/>
+              <a:buNone/>
+              <a:tabLst/>
+              <a:defRPr/>
+            </a:pPr>
             <a:r>
               <a:rPr lang="en-US" dirty="0" smtClean="0"/>
               <a:t>Docker (www.docker.com) isn't the world's only containerization platform, but it is the most popular. It is free, open-source,</a:t>
@@ -636,7 +670,7 @@
               <a:rPr lang="en-US" baseline="0" dirty="0" smtClean="0"/>
               <a:t> mindshare in the developer community. And with Azure Container Service, you can deploy Docker containers to Azure with minimal effort. Moreover, Docker containers are easily moved between Azure and Amazon Web Services (AWS), affording developers portability between cloud platforms.</a:t>
             </a:r>
-            <a:endParaRPr lang="en-US" dirty="0"/>
+            <a:endParaRPr lang="en-US" dirty="0" smtClean="0"/>
           </a:p>
         </p:txBody>
       </p:sp>
@@ -655,7 +689,7 @@
           <a:bodyPr/>
           <a:lstStyle/>
           <a:p>
-            <a:fld id="{01283FAC-A721-45A3-BBDE-EAF2B09B7CD9}" type="slidenum">
+            <a:fld id="{BC60BE34-BC89-4C98-A56B-79B7A098D024}" type="slidenum">
               <a:rPr lang="en-US" smtClean="0"/>
               <a:t>3</a:t>
             </a:fld>
@@ -666,7 +700,7 @@
     </p:spTree>
     <p:extLst>
       <p:ext uri="{BB962C8B-B14F-4D97-AF65-F5344CB8AC3E}">
-        <p14:creationId xmlns:p14="http://schemas.microsoft.com/office/powerpoint/2010/main" val="1396390025"/>
+        <p14:creationId xmlns:p14="http://schemas.microsoft.com/office/powerpoint/2010/main" val="1565560986"/>
       </p:ext>
     </p:extLst>
   </p:cSld>
@@ -720,6 +754,23 @@
           <a:bodyPr/>
           <a:lstStyle/>
           <a:p>
+            <a:pPr marL="0" marR="0" lvl="0" indent="0" algn="l" defTabSz="914400" rtl="0" eaLnBrk="1" fontAlgn="auto" latinLnBrk="0" hangingPunct="1">
+              <a:lnSpc>
+                <a:spcPct val="100000"/>
+              </a:lnSpc>
+              <a:spcBef>
+                <a:spcPts val="0"/>
+              </a:spcBef>
+              <a:spcAft>
+                <a:spcPts val="0"/>
+              </a:spcAft>
+              <a:buClrTx/>
+              <a:buSzTx/>
+              <a:buFontTx/>
+              <a:buNone/>
+              <a:tabLst/>
+              <a:defRPr/>
+            </a:pPr>
             <a:r>
               <a:rPr lang="en-US" dirty="0" smtClean="0"/>
               <a:t>Docker utilizes</a:t>
@@ -772,7 +823,7 @@
               <a:rPr lang="en-US" baseline="0" dirty="0" smtClean="0"/>
               <a:t> command runs a container using an image as a template.</a:t>
             </a:r>
-            <a:endParaRPr lang="en-US" dirty="0"/>
+            <a:endParaRPr lang="en-US" dirty="0" smtClean="0"/>
           </a:p>
         </p:txBody>
       </p:sp>
@@ -802,7 +853,7 @@
     </p:spTree>
     <p:extLst>
       <p:ext uri="{BB962C8B-B14F-4D97-AF65-F5344CB8AC3E}">
-        <p14:creationId xmlns:p14="http://schemas.microsoft.com/office/powerpoint/2010/main" val="3271653951"/>
+        <p14:creationId xmlns:p14="http://schemas.microsoft.com/office/powerpoint/2010/main" val="4247158013"/>
       </p:ext>
     </p:extLst>
   </p:cSld>
@@ -856,6 +907,23 @@
           <a:bodyPr/>
           <a:lstStyle/>
           <a:p>
+            <a:pPr marL="0" marR="0" lvl="0" indent="0" algn="l" defTabSz="914400" rtl="0" eaLnBrk="1" fontAlgn="auto" latinLnBrk="0" hangingPunct="1">
+              <a:lnSpc>
+                <a:spcPct val="100000"/>
+              </a:lnSpc>
+              <a:spcBef>
+                <a:spcPts val="0"/>
+              </a:spcBef>
+              <a:spcAft>
+                <a:spcPts val="0"/>
+              </a:spcAft>
+              <a:buClrTx/>
+              <a:buSzTx/>
+              <a:buFontTx/>
+              <a:buNone/>
+              <a:tabLst/>
+              <a:defRPr/>
+            </a:pPr>
             <a:r>
               <a:rPr lang="en-US" dirty="0" smtClean="0"/>
               <a:t>The Docker Client,</a:t>
@@ -872,7 +940,7 @@
               <a:rPr lang="en-US" baseline="0" dirty="0" smtClean="0"/>
               <a:t> commands forwards commands sent to port 22375 on localhost to the Azure Container Services via SSH.</a:t>
             </a:r>
-            <a:endParaRPr lang="en-US" dirty="0"/>
+            <a:endParaRPr lang="en-US" dirty="0" smtClean="0"/>
           </a:p>
         </p:txBody>
       </p:sp>
@@ -891,7 +959,7 @@
           <a:bodyPr/>
           <a:lstStyle/>
           <a:p>
-            <a:fld id="{01283FAC-A721-45A3-BBDE-EAF2B09B7CD9}" type="slidenum">
+            <a:fld id="{BC60BE34-BC89-4C98-A56B-79B7A098D024}" type="slidenum">
               <a:rPr lang="en-US" smtClean="0"/>
               <a:t>5</a:t>
             </a:fld>
@@ -902,7 +970,7 @@
     </p:spTree>
     <p:extLst>
       <p:ext uri="{BB962C8B-B14F-4D97-AF65-F5344CB8AC3E}">
-        <p14:creationId xmlns:p14="http://schemas.microsoft.com/office/powerpoint/2010/main" val="3584427616"/>
+        <p14:creationId xmlns:p14="http://schemas.microsoft.com/office/powerpoint/2010/main" val="1779898697"/>
       </p:ext>
     </p:extLst>
   </p:cSld>
@@ -956,6 +1024,23 @@
           <a:bodyPr/>
           <a:lstStyle/>
           <a:p>
+            <a:pPr marL="0" marR="0" lvl="0" indent="0" algn="l" defTabSz="914400" rtl="0" eaLnBrk="1" fontAlgn="auto" latinLnBrk="0" hangingPunct="1">
+              <a:lnSpc>
+                <a:spcPct val="100000"/>
+              </a:lnSpc>
+              <a:spcBef>
+                <a:spcPts val="0"/>
+              </a:spcBef>
+              <a:spcAft>
+                <a:spcPts val="0"/>
+              </a:spcAft>
+              <a:buClrTx/>
+              <a:buSzTx/>
+              <a:buFontTx/>
+              <a:buNone/>
+              <a:tabLst/>
+              <a:defRPr/>
+            </a:pPr>
             <a:r>
               <a:rPr lang="en-US" dirty="0" smtClean="0"/>
               <a:t>This command pulls the image</a:t>
@@ -992,7 +1077,7 @@
               <a:rPr lang="en-US" baseline="0" dirty="0" smtClean="0"/>
               <a:t> commands to the daemon.</a:t>
             </a:r>
-            <a:endParaRPr lang="en-US" dirty="0"/>
+            <a:endParaRPr lang="en-US" dirty="0" smtClean="0"/>
           </a:p>
         </p:txBody>
       </p:sp>
@@ -1022,7 +1107,7 @@
     </p:spTree>
     <p:extLst>
       <p:ext uri="{BB962C8B-B14F-4D97-AF65-F5344CB8AC3E}">
-        <p14:creationId xmlns:p14="http://schemas.microsoft.com/office/powerpoint/2010/main" val="3123499822"/>
+        <p14:creationId xmlns:p14="http://schemas.microsoft.com/office/powerpoint/2010/main" val="1081471114"/>
       </p:ext>
     </p:extLst>
   </p:cSld>
@@ -1076,6 +1161,23 @@
           <a:bodyPr/>
           <a:lstStyle/>
           <a:p>
+            <a:pPr marL="0" marR="0" lvl="0" indent="0" algn="l" defTabSz="914400" rtl="0" eaLnBrk="1" fontAlgn="auto" latinLnBrk="0" hangingPunct="1">
+              <a:lnSpc>
+                <a:spcPct val="100000"/>
+              </a:lnSpc>
+              <a:spcBef>
+                <a:spcPts val="0"/>
+              </a:spcBef>
+              <a:spcAft>
+                <a:spcPts val="0"/>
+              </a:spcAft>
+              <a:buClrTx/>
+              <a:buSzTx/>
+              <a:buFontTx/>
+              <a:buNone/>
+              <a:tabLst/>
+              <a:defRPr/>
+            </a:pPr>
             <a:r>
               <a:rPr lang="en-US" dirty="0" smtClean="0"/>
               <a:t>These are some of the most commonly used </a:t>
@@ -1180,7 +1282,7 @@
               <a:rPr lang="en-US" baseline="0" dirty="0" smtClean="0"/>
               <a:t> (a text file containing build commands) and a "context" -- for example, a specified directory in the file system -- to build Docker images.</a:t>
             </a:r>
-            <a:endParaRPr lang="en-US" dirty="0"/>
+            <a:endParaRPr lang="en-US" dirty="0" smtClean="0"/>
           </a:p>
         </p:txBody>
       </p:sp>
@@ -1210,7 +1312,7 @@
     </p:spTree>
     <p:extLst>
       <p:ext uri="{BB962C8B-B14F-4D97-AF65-F5344CB8AC3E}">
-        <p14:creationId xmlns:p14="http://schemas.microsoft.com/office/powerpoint/2010/main" val="350208770"/>
+        <p14:creationId xmlns:p14="http://schemas.microsoft.com/office/powerpoint/2010/main" val="3911001686"/>
       </p:ext>
     </p:extLst>
   </p:cSld>
@@ -1264,6 +1366,23 @@
           <a:bodyPr/>
           <a:lstStyle/>
           <a:p>
+            <a:pPr marL="0" marR="0" lvl="0" indent="0" algn="l" defTabSz="914400" rtl="0" eaLnBrk="1" fontAlgn="auto" latinLnBrk="0" hangingPunct="1">
+              <a:lnSpc>
+                <a:spcPct val="100000"/>
+              </a:lnSpc>
+              <a:spcBef>
+                <a:spcPts val="0"/>
+              </a:spcBef>
+              <a:spcAft>
+                <a:spcPts val="0"/>
+              </a:spcAft>
+              <a:buClrTx/>
+              <a:buSzTx/>
+              <a:buFontTx/>
+              <a:buNone/>
+              <a:tabLst/>
+              <a:defRPr/>
+            </a:pPr>
             <a:r>
               <a:rPr lang="en-US" dirty="0" smtClean="0"/>
               <a:t>From the documentation: "Azure Container Service makes it simpler for you to create, configure, and manage a cluster of virtual machines that are preconfigured to run containerized applications. It uses an optimized configuration of popular open-source scheduling and orchestration tools. This enables you to use your existing skills, or draw upon a large and growing body of community expertise, to deploy and manage container-based applications on Microsoft Azure." ACS supports Linux containers and Windows containers. The latter rely</a:t>
@@ -1276,7 +1395,6 @@
               <a:rPr lang="en-US" dirty="0" smtClean="0"/>
               <a:t>Windows Server 2016.</a:t>
             </a:r>
-            <a:endParaRPr lang="en-US" dirty="0"/>
           </a:p>
         </p:txBody>
       </p:sp>
@@ -1295,7 +1413,7 @@
           <a:bodyPr/>
           <a:lstStyle/>
           <a:p>
-            <a:fld id="{01283FAC-A721-45A3-BBDE-EAF2B09B7CD9}" type="slidenum">
+            <a:fld id="{BC60BE34-BC89-4C98-A56B-79B7A098D024}" type="slidenum">
               <a:rPr lang="en-US" smtClean="0"/>
               <a:t>8</a:t>
             </a:fld>
@@ -1306,7 +1424,7 @@
     </p:spTree>
     <p:extLst>
       <p:ext uri="{BB962C8B-B14F-4D97-AF65-F5344CB8AC3E}">
-        <p14:creationId xmlns:p14="http://schemas.microsoft.com/office/powerpoint/2010/main" val="2894906476"/>
+        <p14:creationId xmlns:p14="http://schemas.microsoft.com/office/powerpoint/2010/main" val="2890579772"/>
       </p:ext>
     </p:extLst>
   </p:cSld>
@@ -1360,6 +1478,23 @@
           <a:bodyPr/>
           <a:lstStyle/>
           <a:p>
+            <a:pPr marL="0" marR="0" lvl="0" indent="0" algn="l" defTabSz="914400" rtl="0" eaLnBrk="1" fontAlgn="auto" latinLnBrk="0" hangingPunct="1">
+              <a:lnSpc>
+                <a:spcPct val="100000"/>
+              </a:lnSpc>
+              <a:spcBef>
+                <a:spcPts val="0"/>
+              </a:spcBef>
+              <a:spcAft>
+                <a:spcPts val="0"/>
+              </a:spcAft>
+              <a:buClrTx/>
+              <a:buSzTx/>
+              <a:buFontTx/>
+              <a:buNone/>
+              <a:tabLst/>
+              <a:defRPr/>
+            </a:pPr>
             <a:r>
               <a:rPr lang="en-US" dirty="0" smtClean="0"/>
               <a:t>Here's what happens in Azure</a:t>
@@ -1368,7 +1503,7 @@
               <a:rPr lang="en-US" baseline="0" dirty="0" smtClean="0"/>
               <a:t> when you create an Azure Container Service with Docker Swarm as the orchestrator. Azure creates one or more master VMs to control the "swarm" of containers, as well as a Virtual Machine Scale Set, which provides the "agent" VMs in which containers run. All these VMs communicate over a private virtual network. To communicate with Docker Swarm in a master VM from a Docker client running on a local machine, you establish an SSH tunnel that forwards the local port 22375 to port 2375 in the VM (via SSH port 2200). This allows you to execute local commands that load container images and run containers in the cloud. Docker Swarm manages the container instances in the agent VMs as well as the agent VMs themselves. You don't have to know this to use Azure Container Service, but it does help explain various port forwarding commands that you employ when running the Docker client on a local machine connected to Azure.</a:t>
             </a:r>
-            <a:endParaRPr lang="en-US" dirty="0"/>
+            <a:endParaRPr lang="en-US" dirty="0" smtClean="0"/>
           </a:p>
         </p:txBody>
       </p:sp>
@@ -1387,7 +1522,7 @@
           <a:bodyPr/>
           <a:lstStyle/>
           <a:p>
-            <a:fld id="{01283FAC-A721-45A3-BBDE-EAF2B09B7CD9}" type="slidenum">
+            <a:fld id="{BC60BE34-BC89-4C98-A56B-79B7A098D024}" type="slidenum">
               <a:rPr lang="en-US" smtClean="0"/>
               <a:t>9</a:t>
             </a:fld>
@@ -1398,7 +1533,7 @@
     </p:spTree>
     <p:extLst>
       <p:ext uri="{BB962C8B-B14F-4D97-AF65-F5344CB8AC3E}">
-        <p14:creationId xmlns:p14="http://schemas.microsoft.com/office/powerpoint/2010/main" val="1525095050"/>
+        <p14:creationId xmlns:p14="http://schemas.microsoft.com/office/powerpoint/2010/main" val="3985820045"/>
       </p:ext>
     </p:extLst>
   </p:cSld>
@@ -1452,6 +1587,23 @@
           <a:bodyPr/>
           <a:lstStyle/>
           <a:p>
+            <a:pPr marL="0" marR="0" lvl="0" indent="0" algn="l" defTabSz="914400" rtl="0" eaLnBrk="1" fontAlgn="auto" latinLnBrk="0" hangingPunct="1">
+              <a:lnSpc>
+                <a:spcPct val="100000"/>
+              </a:lnSpc>
+              <a:spcBef>
+                <a:spcPts val="0"/>
+              </a:spcBef>
+              <a:spcAft>
+                <a:spcPts val="0"/>
+              </a:spcAft>
+              <a:buClrTx/>
+              <a:buSzTx/>
+              <a:buFontTx/>
+              <a:buNone/>
+              <a:tabLst/>
+              <a:defRPr/>
+            </a:pPr>
             <a:r>
               <a:rPr lang="en-US" sz="1200" b="0" i="0" kern="1200" dirty="0" smtClean="0">
                 <a:solidFill>
@@ -1474,31 +1626,7 @@
                 <a:ea typeface="+mn-ea"/>
                 <a:cs typeface="+mn-cs"/>
               </a:rPr>
-              <a:t> in a terminal window on OS X or Linux. (Windows </a:t>
-            </a:r>
-            <a:r>
-              <a:rPr lang="en-US" sz="1200" b="0" i="0" kern="1200" baseline="0" dirty="0" smtClean="0">
-                <a:solidFill>
-                  <a:schemeClr val="tx1"/>
-                </a:solidFill>
-                <a:effectLst/>
-                <a:latin typeface="+mn-lt"/>
-                <a:ea typeface="+mn-ea"/>
-                <a:cs typeface="+mn-cs"/>
-              </a:rPr>
-              <a:t>users </a:t>
-            </a:r>
-            <a:r>
-              <a:rPr lang="en-US" sz="1200" b="0" i="0" kern="1200" baseline="0" dirty="0" smtClean="0">
-                <a:solidFill>
-                  <a:schemeClr val="tx1"/>
-                </a:solidFill>
-                <a:effectLst/>
-                <a:latin typeface="+mn-lt"/>
-                <a:ea typeface="+mn-ea"/>
-                <a:cs typeface="+mn-cs"/>
-              </a:rPr>
-              <a:t>need to use a third-party SSH tool such as </a:t>
+              <a:t> in a terminal window on OS X or Linux. (Windows users need to use a third-party SSH tool such as </a:t>
             </a:r>
             <a:r>
               <a:rPr lang="en-US" sz="1200" b="0" i="0" kern="1200" baseline="0" dirty="0" err="1" smtClean="0">
@@ -1560,7 +1688,7 @@
               </a:rPr>
               <a:t> CLI) to port 2375 at the other end. Docker Swarm listens on port 2375. The -p switch instructs SSH to use port 2200 rather than the default 22. The load balancer you're connecting to listens on port 2200 and forwards the SSH messages it receives to port 22 on the master VM.</a:t>
             </a:r>
-            <a:endParaRPr lang="en-US" dirty="0"/>
+            <a:endParaRPr lang="en-US" dirty="0" smtClean="0"/>
           </a:p>
         </p:txBody>
       </p:sp>
@@ -1590,7 +1718,7 @@
     </p:spTree>
     <p:extLst>
       <p:ext uri="{BB962C8B-B14F-4D97-AF65-F5344CB8AC3E}">
-        <p14:creationId xmlns:p14="http://schemas.microsoft.com/office/powerpoint/2010/main" val="49437425"/>
+        <p14:creationId xmlns:p14="http://schemas.microsoft.com/office/powerpoint/2010/main" val="2882187975"/>
       </p:ext>
     </p:extLst>
   </p:cSld>
@@ -12514,95 +12642,41 @@
       </p:sp>
       <p:sp>
         <p:nvSpPr>
-          <p:cNvPr id="3" name="Text Placeholder 2"/>
+          <p:cNvPr id="3" name="Content Placeholder 2"/>
           <p:cNvSpPr>
             <a:spLocks noGrp="1"/>
           </p:cNvSpPr>
           <p:nvPr>
-            <p:ph type="body" sz="quarter" idx="10"/>
+            <p:ph idx="1"/>
           </p:nvPr>
         </p:nvSpPr>
         <p:spPr>
           <a:xfrm>
-            <a:off x="519249" y="1825624"/>
-            <a:ext cx="11151917" cy="1427699"/>
+            <a:off x="519248" y="1447800"/>
+            <a:ext cx="11151916" cy="1427699"/>
           </a:xfrm>
         </p:spPr>
         <p:txBody>
           <a:bodyPr/>
           <a:lstStyle/>
           <a:p>
-            <a:pPr marL="457200" indent="-457200">
-              <a:buFont typeface="Arial" panose="020B0604020202020204" pitchFamily="34" charset="0"/>
-              <a:buChar char="•"/>
-            </a:pPr>
-            <a:r>
-              <a:rPr lang="en-US" sz="3199" dirty="0">
-                <a:gradFill>
-                  <a:gsLst>
-                    <a:gs pos="0">
-                      <a:srgbClr val="595959"/>
-                    </a:gs>
-                    <a:gs pos="86000">
-                      <a:srgbClr val="595959"/>
-                    </a:gs>
-                  </a:gsLst>
-                  <a:lin ang="5400000" scaled="0"/>
-                </a:gradFill>
-              </a:rPr>
+            <a:pPr marL="457200" indent="-457200"/>
+            <a:r>
+              <a:rPr lang="en-US" dirty="0"/>
               <a:t>Establish SSH tunnel to master load balancer</a:t>
             </a:r>
           </a:p>
           <a:p>
-            <a:pPr marL="457200" indent="-457200">
-              <a:buFont typeface="Arial" panose="020B0604020202020204" pitchFamily="34" charset="0"/>
-              <a:buChar char="•"/>
-            </a:pPr>
-            <a:r>
-              <a:rPr lang="en-US" sz="3199" dirty="0">
-                <a:gradFill>
-                  <a:gsLst>
-                    <a:gs pos="0">
-                      <a:srgbClr val="595959"/>
-                    </a:gs>
-                    <a:gs pos="86000">
-                      <a:srgbClr val="595959"/>
-                    </a:gs>
-                  </a:gsLst>
-                  <a:lin ang="5400000" scaled="0"/>
-                </a:gradFill>
-              </a:rPr>
-              <a:t>Use port forwarding to forward local Docker commands to Docker daemon on master </a:t>
-            </a:r>
-            <a:r>
-              <a:rPr lang="en-US" sz="3199" dirty="0" smtClean="0">
-                <a:gradFill>
-                  <a:gsLst>
-                    <a:gs pos="0">
-                      <a:srgbClr val="595959"/>
-                    </a:gs>
-                    <a:gs pos="86000">
-                      <a:srgbClr val="595959"/>
-                    </a:gs>
-                  </a:gsLst>
-                  <a:lin ang="5400000" scaled="0"/>
-                </a:gradFill>
-              </a:rPr>
-              <a:t>load balancer</a:t>
-            </a:r>
-            <a:endParaRPr lang="en-US" sz="3199" dirty="0">
-              <a:gradFill>
-                <a:gsLst>
-                  <a:gs pos="0">
-                    <a:srgbClr val="595959"/>
-                  </a:gs>
-                  <a:gs pos="86000">
-                    <a:srgbClr val="595959"/>
-                  </a:gs>
-                </a:gsLst>
-                <a:lin ang="5400000" scaled="0"/>
-              </a:gradFill>
-            </a:endParaRPr>
+            <a:pPr marL="457200" indent="-457200"/>
+            <a:r>
+              <a:rPr lang="en-US" dirty="0"/>
+              <a:t>Use port forwarding to forward local Docker commands to Docker daemon on master load </a:t>
+            </a:r>
+            <a:r>
+              <a:rPr lang="en-US" dirty="0" smtClean="0"/>
+              <a:t>balancer</a:t>
+            </a:r>
+            <a:endParaRPr lang="en-US" dirty="0"/>
           </a:p>
         </p:txBody>
       </p:sp>
@@ -12614,7 +12688,7 @@
         </p:nvSpPr>
         <p:spPr>
           <a:xfrm>
-            <a:off x="519249" y="3992136"/>
+            <a:off x="519249" y="3657600"/>
             <a:ext cx="11169724" cy="398571"/>
           </a:xfrm>
           <a:prstGeom prst="rect">
@@ -12698,14 +12772,84 @@
       </p:sp>
       <p:cxnSp>
         <p:nvCxnSpPr>
+          <p:cNvPr id="5" name="Straight Connector 4"/>
+          <p:cNvCxnSpPr/>
+          <p:nvPr/>
+        </p:nvCxnSpPr>
+        <p:spPr>
+          <a:xfrm>
+            <a:off x="5704568" y="4056171"/>
+            <a:ext cx="9562" cy="536950"/>
+          </a:xfrm>
+          <a:prstGeom prst="line">
+            <a:avLst/>
+          </a:prstGeom>
+          <a:ln w="38100">
+            <a:solidFill>
+              <a:schemeClr val="accent2"/>
+            </a:solidFill>
+          </a:ln>
+        </p:spPr>
+        <p:style>
+          <a:lnRef idx="1">
+            <a:schemeClr val="accent1"/>
+          </a:lnRef>
+          <a:fillRef idx="0">
+            <a:schemeClr val="accent1"/>
+          </a:fillRef>
+          <a:effectRef idx="0">
+            <a:schemeClr val="accent1"/>
+          </a:effectRef>
+          <a:fontRef idx="minor">
+            <a:schemeClr val="tx1"/>
+          </a:fontRef>
+        </p:style>
+      </p:cxnSp>
+      <p:cxnSp>
+        <p:nvCxnSpPr>
+          <p:cNvPr id="6" name="Straight Connector 5"/>
+          <p:cNvCxnSpPr/>
+          <p:nvPr/>
+        </p:nvCxnSpPr>
+        <p:spPr>
+          <a:xfrm>
+            <a:off x="5013192" y="4056171"/>
+            <a:ext cx="1453250" cy="0"/>
+          </a:xfrm>
+          <a:prstGeom prst="line">
+            <a:avLst/>
+          </a:prstGeom>
+          <a:ln w="38100">
+            <a:solidFill>
+              <a:schemeClr val="accent2"/>
+            </a:solidFill>
+          </a:ln>
+        </p:spPr>
+        <p:style>
+          <a:lnRef idx="1">
+            <a:schemeClr val="accent1"/>
+          </a:lnRef>
+          <a:fillRef idx="0">
+            <a:schemeClr val="accent1"/>
+          </a:fillRef>
+          <a:effectRef idx="0">
+            <a:schemeClr val="accent1"/>
+          </a:effectRef>
+          <a:fontRef idx="minor">
+            <a:schemeClr val="tx1"/>
+          </a:fontRef>
+        </p:style>
+      </p:cxnSp>
+      <p:cxnSp>
+        <p:nvCxnSpPr>
           <p:cNvPr id="7" name="Straight Connector 6"/>
           <p:cNvCxnSpPr/>
           <p:nvPr/>
         </p:nvCxnSpPr>
         <p:spPr>
           <a:xfrm>
-            <a:off x="5704568" y="4390707"/>
-            <a:ext cx="9562" cy="536950"/>
+            <a:off x="6685875" y="4056171"/>
+            <a:ext cx="4877940" cy="0"/>
           </a:xfrm>
           <a:prstGeom prst="line">
             <a:avLst/>
@@ -12739,77 +12883,7 @@
         </p:nvCxnSpPr>
         <p:spPr>
           <a:xfrm>
-            <a:off x="5013192" y="4390707"/>
-            <a:ext cx="1453250" cy="0"/>
-          </a:xfrm>
-          <a:prstGeom prst="line">
-            <a:avLst/>
-          </a:prstGeom>
-          <a:ln w="38100">
-            <a:solidFill>
-              <a:schemeClr val="accent2"/>
-            </a:solidFill>
-          </a:ln>
-        </p:spPr>
-        <p:style>
-          <a:lnRef idx="1">
-            <a:schemeClr val="accent1"/>
-          </a:lnRef>
-          <a:fillRef idx="0">
-            <a:schemeClr val="accent1"/>
-          </a:fillRef>
-          <a:effectRef idx="0">
-            <a:schemeClr val="accent1"/>
-          </a:effectRef>
-          <a:fontRef idx="minor">
-            <a:schemeClr val="tx1"/>
-          </a:fontRef>
-        </p:style>
-      </p:cxnSp>
-      <p:cxnSp>
-        <p:nvCxnSpPr>
-          <p:cNvPr id="9" name="Straight Connector 8"/>
-          <p:cNvCxnSpPr/>
-          <p:nvPr/>
-        </p:nvCxnSpPr>
-        <p:spPr>
-          <a:xfrm>
-            <a:off x="6685875" y="4390707"/>
-            <a:ext cx="4877940" cy="0"/>
-          </a:xfrm>
-          <a:prstGeom prst="line">
-            <a:avLst/>
-          </a:prstGeom>
-          <a:ln w="38100">
-            <a:solidFill>
-              <a:schemeClr val="accent2"/>
-            </a:solidFill>
-          </a:ln>
-        </p:spPr>
-        <p:style>
-          <a:lnRef idx="1">
-            <a:schemeClr val="accent1"/>
-          </a:lnRef>
-          <a:fillRef idx="0">
-            <a:schemeClr val="accent1"/>
-          </a:fillRef>
-          <a:effectRef idx="0">
-            <a:schemeClr val="accent1"/>
-          </a:effectRef>
-          <a:fontRef idx="minor">
-            <a:schemeClr val="tx1"/>
-          </a:fontRef>
-        </p:style>
-      </p:cxnSp>
-      <p:cxnSp>
-        <p:nvCxnSpPr>
-          <p:cNvPr id="11" name="Straight Connector 10"/>
-          <p:cNvCxnSpPr/>
-          <p:nvPr/>
-        </p:nvCxnSpPr>
-        <p:spPr>
-          <a:xfrm>
-            <a:off x="9115283" y="4390707"/>
+            <a:off x="9115283" y="4056171"/>
             <a:ext cx="9562" cy="536950"/>
           </a:xfrm>
           <a:prstGeom prst="line">
@@ -12838,13 +12912,13 @@
       </p:cxnSp>
       <p:sp>
         <p:nvSpPr>
-          <p:cNvPr id="12" name="TextBox 11"/>
+          <p:cNvPr id="9" name="TextBox 8"/>
           <p:cNvSpPr txBox="1"/>
           <p:nvPr/>
         </p:nvSpPr>
         <p:spPr>
           <a:xfrm>
-            <a:off x="2779356" y="5150325"/>
+            <a:off x="2779356" y="4815789"/>
             <a:ext cx="3906519" cy="664797"/>
           </a:xfrm>
           <a:prstGeom prst="rect">
@@ -12913,13 +12987,13 @@
       </p:sp>
       <p:sp>
         <p:nvSpPr>
-          <p:cNvPr id="13" name="TextBox 12"/>
+          <p:cNvPr id="10" name="TextBox 9"/>
           <p:cNvSpPr txBox="1"/>
           <p:nvPr/>
         </p:nvSpPr>
         <p:spPr>
           <a:xfrm>
-            <a:off x="6938761" y="5150325"/>
+            <a:off x="6938761" y="4815789"/>
             <a:ext cx="4625054" cy="997196"/>
           </a:xfrm>
           <a:prstGeom prst="rect">
@@ -12989,7 +13063,7 @@
     </p:spTree>
     <p:extLst>
       <p:ext uri="{BB962C8B-B14F-4D97-AF65-F5344CB8AC3E}">
-        <p14:creationId xmlns:p14="http://schemas.microsoft.com/office/powerpoint/2010/main" val="1539314518"/>
+        <p14:creationId xmlns:p14="http://schemas.microsoft.com/office/powerpoint/2010/main" val="2061918035"/>
       </p:ext>
     </p:extLst>
   </p:cSld>
@@ -13203,35 +13277,33 @@
             <a:spLocks noGrp="1"/>
           </p:cNvSpPr>
           <p:nvPr>
-            <p:ph idx="4294967295"/>
+            <p:ph idx="1"/>
           </p:nvPr>
         </p:nvSpPr>
         <p:spPr>
           <a:xfrm>
-            <a:off x="838200" y="1825625"/>
-            <a:ext cx="10515600" cy="4351338"/>
+            <a:off x="519248" y="1447800"/>
+            <a:ext cx="11151916" cy="984629"/>
           </a:xfrm>
-          <a:prstGeom prst="rect">
-            <a:avLst/>
-          </a:prstGeom>
         </p:spPr>
         <p:txBody>
           <a:bodyPr/>
           <a:lstStyle/>
           <a:p>
             <a:r>
+              <a:rPr lang="en-US" dirty="0"/>
+              <a:t>Lightweight alternative to virtual machines</a:t>
+            </a:r>
+          </a:p>
+          <a:p>
+            <a:r>
+              <a:rPr lang="en-US" dirty="0"/>
+              <a:t>Smaller, less costly, faster to start, and </a:t>
+            </a:r>
+            <a:r>
               <a:rPr lang="en-US" dirty="0" smtClean="0"/>
-              <a:t>Lightweight alternative to virtual machines</a:t>
-            </a:r>
-          </a:p>
-          <a:p>
-            <a:r>
-              <a:rPr lang="en-US" dirty="0" smtClean="0"/>
-              <a:t>Smaller, less costly, faster to start, and self-contained</a:t>
-            </a:r>
-          </a:p>
-          <a:p>
-            <a:pPr lvl="1"/>
+              <a:t>self-contained</a:t>
+            </a:r>
             <a:endParaRPr lang="en-US" dirty="0"/>
           </a:p>
         </p:txBody>
@@ -13244,7 +13316,7 @@
         </p:nvSpPr>
         <p:spPr>
           <a:xfrm>
-            <a:off x="1304693" y="5965724"/>
+            <a:off x="1304693" y="5691288"/>
             <a:ext cx="4415882" cy="422478"/>
           </a:xfrm>
           <a:prstGeom prst="rect">
@@ -13291,13 +13363,13 @@
       </p:sp>
       <p:sp>
         <p:nvSpPr>
-          <p:cNvPr id="6" name="Rectangle 5"/>
+          <p:cNvPr id="5" name="Rectangle 4"/>
           <p:cNvSpPr/>
           <p:nvPr/>
         </p:nvSpPr>
         <p:spPr>
           <a:xfrm>
-            <a:off x="1304693" y="5453832"/>
+            <a:off x="1304693" y="5179396"/>
             <a:ext cx="4415882" cy="422478"/>
           </a:xfrm>
           <a:prstGeom prst="rect">
@@ -13344,13 +13416,13 @@
       </p:sp>
       <p:sp>
         <p:nvSpPr>
-          <p:cNvPr id="8" name="Rectangle 7"/>
+          <p:cNvPr id="6" name="Rectangle 5"/>
           <p:cNvSpPr/>
           <p:nvPr/>
         </p:nvSpPr>
         <p:spPr>
           <a:xfrm>
-            <a:off x="1304693" y="4496346"/>
+            <a:off x="1304693" y="4221910"/>
             <a:ext cx="1405054" cy="868072"/>
           </a:xfrm>
           <a:prstGeom prst="rect">
@@ -13397,13 +13469,13 @@
       </p:sp>
       <p:sp>
         <p:nvSpPr>
-          <p:cNvPr id="11" name="Rectangle 10"/>
+          <p:cNvPr id="7" name="Rectangle 6"/>
           <p:cNvSpPr/>
           <p:nvPr/>
         </p:nvSpPr>
         <p:spPr>
           <a:xfrm>
-            <a:off x="1304693" y="3984454"/>
+            <a:off x="1304693" y="3710018"/>
             <a:ext cx="1405054" cy="422478"/>
           </a:xfrm>
           <a:prstGeom prst="rect">
@@ -13450,13 +13522,13 @@
       </p:sp>
       <p:sp>
         <p:nvSpPr>
-          <p:cNvPr id="14" name="Rectangle 13"/>
+          <p:cNvPr id="8" name="Rectangle 7"/>
           <p:cNvSpPr/>
           <p:nvPr/>
         </p:nvSpPr>
         <p:spPr>
           <a:xfrm>
-            <a:off x="1304693" y="3472562"/>
+            <a:off x="1304693" y="3198126"/>
             <a:ext cx="1405054" cy="422478"/>
           </a:xfrm>
           <a:prstGeom prst="rect">
@@ -13503,13 +13575,13 @@
       </p:sp>
       <p:sp>
         <p:nvSpPr>
-          <p:cNvPr id="23" name="Rectangle 22"/>
+          <p:cNvPr id="9" name="Rectangle 8"/>
           <p:cNvSpPr/>
           <p:nvPr/>
         </p:nvSpPr>
         <p:spPr>
           <a:xfrm>
-            <a:off x="2810107" y="4496346"/>
+            <a:off x="2810107" y="4221910"/>
             <a:ext cx="1405054" cy="868072"/>
           </a:xfrm>
           <a:prstGeom prst="rect">
@@ -13556,13 +13628,13 @@
       </p:sp>
       <p:sp>
         <p:nvSpPr>
-          <p:cNvPr id="24" name="Rectangle 23"/>
+          <p:cNvPr id="10" name="Rectangle 9"/>
           <p:cNvSpPr/>
           <p:nvPr/>
         </p:nvSpPr>
         <p:spPr>
           <a:xfrm>
-            <a:off x="2810107" y="3984454"/>
+            <a:off x="2810107" y="3710018"/>
             <a:ext cx="1405054" cy="422478"/>
           </a:xfrm>
           <a:prstGeom prst="rect">
@@ -13609,13 +13681,13 @@
       </p:sp>
       <p:sp>
         <p:nvSpPr>
-          <p:cNvPr id="25" name="Rectangle 24"/>
+          <p:cNvPr id="11" name="Rectangle 10"/>
           <p:cNvSpPr/>
           <p:nvPr/>
         </p:nvSpPr>
         <p:spPr>
           <a:xfrm>
-            <a:off x="2810107" y="3472562"/>
+            <a:off x="2810107" y="3198126"/>
             <a:ext cx="1405054" cy="422478"/>
           </a:xfrm>
           <a:prstGeom prst="rect">
@@ -13662,13 +13734,13 @@
       </p:sp>
       <p:sp>
         <p:nvSpPr>
-          <p:cNvPr id="26" name="Rectangle 25"/>
+          <p:cNvPr id="12" name="Rectangle 11"/>
           <p:cNvSpPr/>
           <p:nvPr/>
         </p:nvSpPr>
         <p:spPr>
           <a:xfrm>
-            <a:off x="4315521" y="4496346"/>
+            <a:off x="4315521" y="4221910"/>
             <a:ext cx="1405054" cy="868072"/>
           </a:xfrm>
           <a:prstGeom prst="rect">
@@ -13715,13 +13787,13 @@
       </p:sp>
       <p:sp>
         <p:nvSpPr>
-          <p:cNvPr id="27" name="Rectangle 26"/>
+          <p:cNvPr id="13" name="Rectangle 12"/>
           <p:cNvSpPr/>
           <p:nvPr/>
         </p:nvSpPr>
         <p:spPr>
           <a:xfrm>
-            <a:off x="4315521" y="3984454"/>
+            <a:off x="4315521" y="3710018"/>
             <a:ext cx="1405054" cy="422478"/>
           </a:xfrm>
           <a:prstGeom prst="rect">
@@ -13768,13 +13840,13 @@
       </p:sp>
       <p:sp>
         <p:nvSpPr>
-          <p:cNvPr id="28" name="Rectangle 27"/>
+          <p:cNvPr id="14" name="Rectangle 13"/>
           <p:cNvSpPr/>
           <p:nvPr/>
         </p:nvSpPr>
         <p:spPr>
           <a:xfrm>
-            <a:off x="4315521" y="3472562"/>
+            <a:off x="4315521" y="3198126"/>
             <a:ext cx="1405054" cy="422478"/>
           </a:xfrm>
           <a:prstGeom prst="rect">
@@ -13821,13 +13893,13 @@
       </p:sp>
       <p:sp>
         <p:nvSpPr>
-          <p:cNvPr id="29" name="Rectangle 28"/>
+          <p:cNvPr id="15" name="Rectangle 14"/>
           <p:cNvSpPr/>
           <p:nvPr/>
         </p:nvSpPr>
         <p:spPr>
           <a:xfrm>
-            <a:off x="6501162" y="5965724"/>
+            <a:off x="6501162" y="5691288"/>
             <a:ext cx="4415882" cy="422478"/>
           </a:xfrm>
           <a:prstGeom prst="rect">
@@ -13874,13 +13946,13 @@
       </p:sp>
       <p:sp>
         <p:nvSpPr>
-          <p:cNvPr id="30" name="Rectangle 29"/>
+          <p:cNvPr id="16" name="Rectangle 15"/>
           <p:cNvSpPr/>
           <p:nvPr/>
         </p:nvSpPr>
         <p:spPr>
           <a:xfrm>
-            <a:off x="6501162" y="5453832"/>
+            <a:off x="6501162" y="5179396"/>
             <a:ext cx="4415882" cy="422478"/>
           </a:xfrm>
           <a:prstGeom prst="rect">
@@ -13927,13 +13999,13 @@
       </p:sp>
       <p:sp>
         <p:nvSpPr>
-          <p:cNvPr id="32" name="Rectangle 31"/>
+          <p:cNvPr id="17" name="Rectangle 16"/>
           <p:cNvSpPr/>
           <p:nvPr/>
         </p:nvSpPr>
         <p:spPr>
           <a:xfrm>
-            <a:off x="6501162" y="4941940"/>
+            <a:off x="6501162" y="4667504"/>
             <a:ext cx="1405054" cy="422478"/>
           </a:xfrm>
           <a:prstGeom prst="rect">
@@ -13980,13 +14052,13 @@
       </p:sp>
       <p:sp>
         <p:nvSpPr>
-          <p:cNvPr id="33" name="Rectangle 32"/>
+          <p:cNvPr id="18" name="Rectangle 17"/>
           <p:cNvSpPr/>
           <p:nvPr/>
         </p:nvSpPr>
         <p:spPr>
           <a:xfrm>
-            <a:off x="6501162" y="4430048"/>
+            <a:off x="6501162" y="4155612"/>
             <a:ext cx="1405054" cy="422478"/>
           </a:xfrm>
           <a:prstGeom prst="rect">
@@ -14033,13 +14105,13 @@
       </p:sp>
       <p:sp>
         <p:nvSpPr>
-          <p:cNvPr id="35" name="Rectangle 34"/>
+          <p:cNvPr id="19" name="Rectangle 18"/>
           <p:cNvSpPr/>
           <p:nvPr/>
         </p:nvSpPr>
         <p:spPr>
           <a:xfrm>
-            <a:off x="8006576" y="4941940"/>
+            <a:off x="8006576" y="4667504"/>
             <a:ext cx="1405054" cy="422478"/>
           </a:xfrm>
           <a:prstGeom prst="rect">
@@ -14086,13 +14158,13 @@
       </p:sp>
       <p:sp>
         <p:nvSpPr>
-          <p:cNvPr id="36" name="Rectangle 35"/>
+          <p:cNvPr id="20" name="Rectangle 19"/>
           <p:cNvSpPr/>
           <p:nvPr/>
         </p:nvSpPr>
         <p:spPr>
           <a:xfrm>
-            <a:off x="8006576" y="4430048"/>
+            <a:off x="8006576" y="4155612"/>
             <a:ext cx="1405054" cy="422478"/>
           </a:xfrm>
           <a:prstGeom prst="rect">
@@ -14139,13 +14211,13 @@
       </p:sp>
       <p:sp>
         <p:nvSpPr>
-          <p:cNvPr id="38" name="Rectangle 37"/>
+          <p:cNvPr id="21" name="Rectangle 20"/>
           <p:cNvSpPr/>
           <p:nvPr/>
         </p:nvSpPr>
         <p:spPr>
           <a:xfrm>
-            <a:off x="9511990" y="4941940"/>
+            <a:off x="9511990" y="4667504"/>
             <a:ext cx="1405054" cy="422478"/>
           </a:xfrm>
           <a:prstGeom prst="rect">
@@ -14192,13 +14264,13 @@
       </p:sp>
       <p:sp>
         <p:nvSpPr>
-          <p:cNvPr id="39" name="Rectangle 38"/>
+          <p:cNvPr id="22" name="Rectangle 21"/>
           <p:cNvSpPr/>
           <p:nvPr/>
         </p:nvSpPr>
         <p:spPr>
           <a:xfrm>
-            <a:off x="9511990" y="4430048"/>
+            <a:off x="9511990" y="4155612"/>
             <a:ext cx="1405054" cy="422478"/>
           </a:xfrm>
           <a:prstGeom prst="rect">
@@ -14245,13 +14317,13 @@
       </p:sp>
       <p:sp>
         <p:nvSpPr>
-          <p:cNvPr id="40" name="TextBox 39"/>
+          <p:cNvPr id="23" name="TextBox 22"/>
           <p:cNvSpPr txBox="1"/>
           <p:nvPr/>
         </p:nvSpPr>
         <p:spPr>
           <a:xfrm>
-            <a:off x="1215483" y="3010897"/>
+            <a:off x="1215483" y="2736461"/>
             <a:ext cx="4505092" cy="461665"/>
           </a:xfrm>
           <a:prstGeom prst="rect">
@@ -14284,13 +14356,13 @@
       </p:sp>
       <p:sp>
         <p:nvSpPr>
-          <p:cNvPr id="41" name="TextBox 40"/>
+          <p:cNvPr id="24" name="TextBox 23"/>
           <p:cNvSpPr txBox="1"/>
           <p:nvPr/>
         </p:nvSpPr>
         <p:spPr>
           <a:xfrm>
-            <a:off x="6456557" y="3964860"/>
+            <a:off x="6456557" y="3690424"/>
             <a:ext cx="4505092" cy="461665"/>
           </a:xfrm>
           <a:prstGeom prst="rect">
@@ -14324,7 +14396,7 @@
     </p:spTree>
     <p:extLst>
       <p:ext uri="{BB962C8B-B14F-4D97-AF65-F5344CB8AC3E}">
-        <p14:creationId xmlns:p14="http://schemas.microsoft.com/office/powerpoint/2010/main" val="4029551231"/>
+        <p14:creationId xmlns:p14="http://schemas.microsoft.com/office/powerpoint/2010/main" val="1833894556"/>
       </p:ext>
     </p:extLst>
   </p:cSld>
@@ -14384,45 +14456,51 @@
             <a:spLocks noGrp="1"/>
           </p:cNvSpPr>
           <p:nvPr>
-            <p:ph idx="4294967295"/>
+            <p:ph idx="1"/>
           </p:nvPr>
         </p:nvSpPr>
         <p:spPr>
           <a:xfrm>
-            <a:off x="838200" y="1825625"/>
-            <a:ext cx="5729868" cy="4351338"/>
+            <a:off x="519248" y="1447800"/>
+            <a:ext cx="5924297" cy="4135491"/>
           </a:xfrm>
-          <a:prstGeom prst="rect">
-            <a:avLst/>
-          </a:prstGeom>
         </p:spPr>
         <p:txBody>
-          <a:bodyPr>
-            <a:normAutofit/>
-          </a:bodyPr>
+          <a:bodyPr/>
           <a:lstStyle/>
           <a:p>
             <a:r>
+              <a:rPr lang="en-US" dirty="0"/>
+              <a:t>Leading open-source containerization platform</a:t>
+            </a:r>
+          </a:p>
+          <a:p>
+            <a:endParaRPr lang="en-US" dirty="0"/>
+          </a:p>
+          <a:p>
+            <a:endParaRPr lang="en-US" dirty="0"/>
+          </a:p>
+          <a:p>
+            <a:endParaRPr lang="en-US" dirty="0"/>
+          </a:p>
+          <a:p>
+            <a:endParaRPr lang="en-US" dirty="0"/>
+          </a:p>
+          <a:p>
+            <a:endParaRPr lang="en-US" dirty="0" smtClean="0"/>
+          </a:p>
+          <a:p>
+            <a:r>
               <a:rPr lang="en-US" dirty="0" smtClean="0"/>
-              <a:t>Leading open-source containerization platform</a:t>
-            </a:r>
-          </a:p>
-          <a:p>
-            <a:endParaRPr lang="en-US" dirty="0"/>
-          </a:p>
-          <a:p>
-            <a:endParaRPr lang="en-US" dirty="0" smtClean="0"/>
-          </a:p>
-          <a:p>
-            <a:endParaRPr lang="en-US" dirty="0"/>
-          </a:p>
-          <a:p>
-            <a:endParaRPr lang="en-US" dirty="0" smtClean="0"/>
-          </a:p>
-          <a:p>
+              <a:t>Supported </a:t>
+            </a:r>
+            <a:r>
+              <a:rPr lang="en-US" dirty="0"/>
+              <a:t>natively in </a:t>
+            </a:r>
             <a:r>
               <a:rPr lang="en-US" dirty="0" smtClean="0"/>
-              <a:t>Supported natively in Azure</a:t>
+              <a:t>Azure</a:t>
             </a:r>
             <a:endParaRPr lang="en-US" dirty="0"/>
           </a:p>
@@ -14466,8 +14544,8 @@
         </p:nvSpPr>
         <p:spPr>
           <a:xfrm>
-            <a:off x="1315843" y="2796059"/>
-            <a:ext cx="4650059" cy="2031325"/>
+            <a:off x="925551" y="2428068"/>
+            <a:ext cx="4650059" cy="2554545"/>
           </a:xfrm>
           <a:prstGeom prst="rect">
             <a:avLst/>
@@ -14481,7 +14559,7 @@
           <a:lstStyle/>
           <a:p>
             <a:r>
-              <a:rPr lang="en-US" i="1" dirty="0">
+              <a:rPr lang="en-US" sz="2000" i="1" dirty="0">
                 <a:solidFill>
                   <a:schemeClr val="accent2"/>
                 </a:solidFill>
@@ -14494,7 +14572,7 @@
     </p:spTree>
     <p:extLst>
       <p:ext uri="{BB962C8B-B14F-4D97-AF65-F5344CB8AC3E}">
-        <p14:creationId xmlns:p14="http://schemas.microsoft.com/office/powerpoint/2010/main" val="3308364351"/>
+        <p14:creationId xmlns:p14="http://schemas.microsoft.com/office/powerpoint/2010/main" val="3700637941"/>
       </p:ext>
     </p:extLst>
   </p:cSld>
@@ -14549,7 +14627,7 @@
       </p:sp>
       <p:pic>
         <p:nvPicPr>
-          <p:cNvPr id="4" name="Picture 3"/>
+          <p:cNvPr id="5" name="Picture 4"/>
           <p:cNvPicPr>
             <a:picLocks noChangeAspect="1"/>
           </p:cNvPicPr>
@@ -14563,8 +14641,8 @@
         </p:blipFill>
         <p:spPr>
           <a:xfrm>
-            <a:off x="1496446" y="1344070"/>
-            <a:ext cx="9197522" cy="4800253"/>
+            <a:off x="1495425" y="1218271"/>
+            <a:ext cx="9201150" cy="4800600"/>
           </a:xfrm>
           <a:prstGeom prst="rect">
             <a:avLst/>
@@ -14574,7 +14652,7 @@
     </p:spTree>
     <p:extLst>
       <p:ext uri="{BB962C8B-B14F-4D97-AF65-F5344CB8AC3E}">
-        <p14:creationId xmlns:p14="http://schemas.microsoft.com/office/powerpoint/2010/main" val="3622975664"/>
+        <p14:creationId xmlns:p14="http://schemas.microsoft.com/office/powerpoint/2010/main" val="187764206"/>
       </p:ext>
     </p:extLst>
   </p:cSld>
@@ -14634,25 +14712,26 @@
             <a:spLocks noGrp="1"/>
           </p:cNvSpPr>
           <p:nvPr>
-            <p:ph idx="4294967295"/>
+            <p:ph idx="1"/>
           </p:nvPr>
         </p:nvSpPr>
         <p:spPr>
           <a:xfrm>
-            <a:off x="838200" y="1825625"/>
-            <a:ext cx="10515600" cy="4351338"/>
+            <a:off x="519248" y="1447800"/>
+            <a:ext cx="11151916" cy="886140"/>
           </a:xfrm>
-          <a:prstGeom prst="rect">
-            <a:avLst/>
-          </a:prstGeom>
         </p:spPr>
         <p:txBody>
           <a:bodyPr/>
           <a:lstStyle/>
           <a:p>
             <a:r>
+              <a:rPr lang="en-US" dirty="0"/>
+              <a:t>CLI for Docker, available for Linux, OS X, and Windows (available separately or as part of Docker Toolbox</a:t>
+            </a:r>
+            <a:r>
               <a:rPr lang="en-US" dirty="0" smtClean="0"/>
-              <a:t>CLI for Docker, available for Linux, OS X, and Windows (available separately or as part of Docker Toolbox)</a:t>
+              <a:t>)</a:t>
             </a:r>
             <a:endParaRPr lang="en-US" dirty="0"/>
           </a:p>
@@ -14674,7 +14753,7 @@
         </p:blipFill>
         <p:spPr>
           <a:xfrm>
-            <a:off x="2957512" y="2995613"/>
+            <a:off x="2957512" y="2805240"/>
             <a:ext cx="6276975" cy="3181350"/>
           </a:xfrm>
           <a:prstGeom prst="rect">
@@ -14685,7 +14764,7 @@
     </p:spTree>
     <p:extLst>
       <p:ext uri="{BB962C8B-B14F-4D97-AF65-F5344CB8AC3E}">
-        <p14:creationId xmlns:p14="http://schemas.microsoft.com/office/powerpoint/2010/main" val="3572487964"/>
+        <p14:creationId xmlns:p14="http://schemas.microsoft.com/office/powerpoint/2010/main" val="1161516503"/>
       </p:ext>
     </p:extLst>
   </p:cSld>
@@ -14746,7 +14825,7 @@
         </p:nvSpPr>
         <p:spPr>
           <a:xfrm>
-            <a:off x="1656674" y="1471961"/>
+            <a:off x="1823942" y="1706136"/>
             <a:ext cx="8146461" cy="455509"/>
           </a:xfrm>
           <a:prstGeom prst="rect">
@@ -14808,7 +14887,7 @@
         </p:nvSpPr>
         <p:spPr>
           <a:xfrm>
-            <a:off x="1656674" y="2553630"/>
+            <a:off x="1823942" y="2787805"/>
             <a:ext cx="2219093" cy="664797"/>
           </a:xfrm>
           <a:prstGeom prst="rect">
@@ -14877,14 +14956,119 @@
       </p:sp>
       <p:cxnSp>
         <p:nvCxnSpPr>
+          <p:cNvPr id="6" name="Straight Connector 5"/>
+          <p:cNvCxnSpPr/>
+          <p:nvPr/>
+        </p:nvCxnSpPr>
+        <p:spPr>
+          <a:xfrm>
+            <a:off x="2515318" y="2161645"/>
+            <a:ext cx="9562" cy="536950"/>
+          </a:xfrm>
+          <a:prstGeom prst="line">
+            <a:avLst/>
+          </a:prstGeom>
+          <a:ln w="38100">
+            <a:solidFill>
+              <a:schemeClr val="accent2"/>
+            </a:solidFill>
+          </a:ln>
+        </p:spPr>
+        <p:style>
+          <a:lnRef idx="1">
+            <a:schemeClr val="accent1"/>
+          </a:lnRef>
+          <a:fillRef idx="0">
+            <a:schemeClr val="accent1"/>
+          </a:fillRef>
+          <a:effectRef idx="0">
+            <a:schemeClr val="accent1"/>
+          </a:effectRef>
+          <a:fontRef idx="minor">
+            <a:schemeClr val="tx1"/>
+          </a:fontRef>
+        </p:style>
+      </p:cxnSp>
+      <p:cxnSp>
+        <p:nvCxnSpPr>
           <p:cNvPr id="7" name="Straight Connector 6"/>
           <p:cNvCxnSpPr/>
           <p:nvPr/>
         </p:nvCxnSpPr>
         <p:spPr>
           <a:xfrm>
-            <a:off x="2348050" y="1927470"/>
-            <a:ext cx="9562" cy="536950"/>
+            <a:off x="1823942" y="2161645"/>
+            <a:ext cx="1453250" cy="0"/>
+          </a:xfrm>
+          <a:prstGeom prst="line">
+            <a:avLst/>
+          </a:prstGeom>
+          <a:ln w="38100">
+            <a:solidFill>
+              <a:schemeClr val="accent2"/>
+            </a:solidFill>
+          </a:ln>
+        </p:spPr>
+        <p:style>
+          <a:lnRef idx="1">
+            <a:schemeClr val="accent1"/>
+          </a:lnRef>
+          <a:fillRef idx="0">
+            <a:schemeClr val="accent1"/>
+          </a:fillRef>
+          <a:effectRef idx="0">
+            <a:schemeClr val="accent1"/>
+          </a:effectRef>
+          <a:fontRef idx="minor">
+            <a:schemeClr val="tx1"/>
+          </a:fontRef>
+        </p:style>
+      </p:cxnSp>
+      <p:cxnSp>
+        <p:nvCxnSpPr>
+          <p:cNvPr id="8" name="Straight Connector 7"/>
+          <p:cNvCxnSpPr/>
+          <p:nvPr/>
+        </p:nvCxnSpPr>
+        <p:spPr>
+          <a:xfrm>
+            <a:off x="3552381" y="2161645"/>
+            <a:ext cx="2163337" cy="0"/>
+          </a:xfrm>
+          <a:prstGeom prst="line">
+            <a:avLst/>
+          </a:prstGeom>
+          <a:ln w="38100">
+            <a:solidFill>
+              <a:schemeClr val="accent2"/>
+            </a:solidFill>
+          </a:ln>
+        </p:spPr>
+        <p:style>
+          <a:lnRef idx="1">
+            <a:schemeClr val="accent1"/>
+          </a:lnRef>
+          <a:fillRef idx="0">
+            <a:schemeClr val="accent1"/>
+          </a:fillRef>
+          <a:effectRef idx="0">
+            <a:schemeClr val="accent1"/>
+          </a:effectRef>
+          <a:fontRef idx="minor">
+            <a:schemeClr val="tx1"/>
+          </a:fontRef>
+        </p:style>
+      </p:cxnSp>
+      <p:cxnSp>
+        <p:nvCxnSpPr>
+          <p:cNvPr id="9" name="Straight Connector 8"/>
+          <p:cNvCxnSpPr/>
+          <p:nvPr/>
+        </p:nvCxnSpPr>
+        <p:spPr>
+          <a:xfrm>
+            <a:off x="6016800" y="2161645"/>
+            <a:ext cx="1371601" cy="0"/>
           </a:xfrm>
           <a:prstGeom prst="line">
             <a:avLst/>
@@ -14918,8 +15102,8 @@
         </p:nvCxnSpPr>
         <p:spPr>
           <a:xfrm>
-            <a:off x="1656674" y="1927470"/>
-            <a:ext cx="1453250" cy="0"/>
+            <a:off x="7734088" y="2161645"/>
+            <a:ext cx="2129883" cy="0"/>
           </a:xfrm>
           <a:prstGeom prst="line">
             <a:avLst/>
@@ -14953,8 +15137,43 @@
         </p:nvCxnSpPr>
         <p:spPr>
           <a:xfrm>
-            <a:off x="3385113" y="1927470"/>
-            <a:ext cx="2163337" cy="0"/>
+            <a:off x="4624487" y="2161645"/>
+            <a:ext cx="0" cy="1290957"/>
+          </a:xfrm>
+          <a:prstGeom prst="line">
+            <a:avLst/>
+          </a:prstGeom>
+          <a:ln w="38100">
+            <a:solidFill>
+              <a:schemeClr val="accent2"/>
+            </a:solidFill>
+          </a:ln>
+        </p:spPr>
+        <p:style>
+          <a:lnRef idx="1">
+            <a:schemeClr val="accent1"/>
+          </a:lnRef>
+          <a:fillRef idx="0">
+            <a:schemeClr val="accent1"/>
+          </a:fillRef>
+          <a:effectRef idx="0">
+            <a:schemeClr val="accent1"/>
+          </a:effectRef>
+          <a:fontRef idx="minor">
+            <a:schemeClr val="tx1"/>
+          </a:fontRef>
+        </p:style>
+      </p:cxnSp>
+      <p:cxnSp>
+        <p:nvCxnSpPr>
+          <p:cNvPr id="12" name="Straight Connector 11"/>
+          <p:cNvCxnSpPr/>
+          <p:nvPr/>
+        </p:nvCxnSpPr>
+        <p:spPr>
+          <a:xfrm flipH="1">
+            <a:off x="6702600" y="2161645"/>
+            <a:ext cx="1590" cy="2044964"/>
           </a:xfrm>
           <a:prstGeom prst="line">
             <a:avLst/>
@@ -14987,148 +15206,8 @@
           <p:nvPr/>
         </p:nvCxnSpPr>
         <p:spPr>
-          <a:xfrm>
-            <a:off x="5849532" y="1927470"/>
-            <a:ext cx="1371601" cy="0"/>
-          </a:xfrm>
-          <a:prstGeom prst="line">
-            <a:avLst/>
-          </a:prstGeom>
-          <a:ln w="38100">
-            <a:solidFill>
-              <a:schemeClr val="accent2"/>
-            </a:solidFill>
-          </a:ln>
-        </p:spPr>
-        <p:style>
-          <a:lnRef idx="1">
-            <a:schemeClr val="accent1"/>
-          </a:lnRef>
-          <a:fillRef idx="0">
-            <a:schemeClr val="accent1"/>
-          </a:fillRef>
-          <a:effectRef idx="0">
-            <a:schemeClr val="accent1"/>
-          </a:effectRef>
-          <a:fontRef idx="minor">
-            <a:schemeClr val="tx1"/>
-          </a:fontRef>
-        </p:style>
-      </p:cxnSp>
-      <p:cxnSp>
-        <p:nvCxnSpPr>
-          <p:cNvPr id="15" name="Straight Connector 14"/>
-          <p:cNvCxnSpPr/>
-          <p:nvPr/>
-        </p:nvCxnSpPr>
-        <p:spPr>
-          <a:xfrm>
-            <a:off x="7566820" y="1927470"/>
-            <a:ext cx="2129883" cy="0"/>
-          </a:xfrm>
-          <a:prstGeom prst="line">
-            <a:avLst/>
-          </a:prstGeom>
-          <a:ln w="38100">
-            <a:solidFill>
-              <a:schemeClr val="accent2"/>
-            </a:solidFill>
-          </a:ln>
-        </p:spPr>
-        <p:style>
-          <a:lnRef idx="1">
-            <a:schemeClr val="accent1"/>
-          </a:lnRef>
-          <a:fillRef idx="0">
-            <a:schemeClr val="accent1"/>
-          </a:fillRef>
-          <a:effectRef idx="0">
-            <a:schemeClr val="accent1"/>
-          </a:effectRef>
-          <a:fontRef idx="minor">
-            <a:schemeClr val="tx1"/>
-          </a:fontRef>
-        </p:style>
-      </p:cxnSp>
-      <p:cxnSp>
-        <p:nvCxnSpPr>
-          <p:cNvPr id="17" name="Straight Connector 16"/>
-          <p:cNvCxnSpPr/>
-          <p:nvPr/>
-        </p:nvCxnSpPr>
-        <p:spPr>
-          <a:xfrm>
-            <a:off x="4457219" y="1927470"/>
-            <a:ext cx="0" cy="1290957"/>
-          </a:xfrm>
-          <a:prstGeom prst="line">
-            <a:avLst/>
-          </a:prstGeom>
-          <a:ln w="38100">
-            <a:solidFill>
-              <a:schemeClr val="accent2"/>
-            </a:solidFill>
-          </a:ln>
-        </p:spPr>
-        <p:style>
-          <a:lnRef idx="1">
-            <a:schemeClr val="accent1"/>
-          </a:lnRef>
-          <a:fillRef idx="0">
-            <a:schemeClr val="accent1"/>
-          </a:fillRef>
-          <a:effectRef idx="0">
-            <a:schemeClr val="accent1"/>
-          </a:effectRef>
-          <a:fontRef idx="minor">
-            <a:schemeClr val="tx1"/>
-          </a:fontRef>
-        </p:style>
-      </p:cxnSp>
-      <p:cxnSp>
-        <p:nvCxnSpPr>
-          <p:cNvPr id="19" name="Straight Connector 18"/>
-          <p:cNvCxnSpPr/>
-          <p:nvPr/>
-        </p:nvCxnSpPr>
-        <p:spPr>
           <a:xfrm flipH="1">
-            <a:off x="6535332" y="1927470"/>
-            <a:ext cx="1590" cy="2044964"/>
-          </a:xfrm>
-          <a:prstGeom prst="line">
-            <a:avLst/>
-          </a:prstGeom>
-          <a:ln w="38100">
-            <a:solidFill>
-              <a:schemeClr val="accent2"/>
-            </a:solidFill>
-          </a:ln>
-        </p:spPr>
-        <p:style>
-          <a:lnRef idx="1">
-            <a:schemeClr val="accent1"/>
-          </a:lnRef>
-          <a:fillRef idx="0">
-            <a:schemeClr val="accent1"/>
-          </a:fillRef>
-          <a:effectRef idx="0">
-            <a:schemeClr val="accent1"/>
-          </a:effectRef>
-          <a:fontRef idx="minor">
-            <a:schemeClr val="tx1"/>
-          </a:fontRef>
-        </p:style>
-      </p:cxnSp>
-      <p:cxnSp>
-        <p:nvCxnSpPr>
-          <p:cNvPr id="23" name="Straight Connector 22"/>
-          <p:cNvCxnSpPr/>
-          <p:nvPr/>
-        </p:nvCxnSpPr>
-        <p:spPr>
-          <a:xfrm flipH="1">
-            <a:off x="8631761" y="1927470"/>
+            <a:off x="8799029" y="2161645"/>
             <a:ext cx="18316" cy="2798971"/>
           </a:xfrm>
           <a:prstGeom prst="line">
@@ -15157,13 +15236,13 @@
       </p:cxnSp>
       <p:sp>
         <p:nvSpPr>
-          <p:cNvPr id="25" name="TextBox 24"/>
+          <p:cNvPr id="14" name="TextBox 13"/>
           <p:cNvSpPr txBox="1"/>
           <p:nvPr/>
         </p:nvSpPr>
         <p:spPr>
           <a:xfrm>
-            <a:off x="3510811" y="3326955"/>
+            <a:off x="3678079" y="3561130"/>
             <a:ext cx="2219093" cy="997196"/>
           </a:xfrm>
           <a:prstGeom prst="rect">
@@ -15232,13 +15311,13 @@
       </p:sp>
       <p:sp>
         <p:nvSpPr>
-          <p:cNvPr id="26" name="TextBox 25"/>
+          <p:cNvPr id="15" name="TextBox 14"/>
           <p:cNvSpPr txBox="1"/>
           <p:nvPr/>
         </p:nvSpPr>
         <p:spPr>
           <a:xfrm>
-            <a:off x="5629295" y="4085238"/>
+            <a:off x="5796563" y="4319413"/>
             <a:ext cx="2219093" cy="1329595"/>
           </a:xfrm>
           <a:prstGeom prst="rect">
@@ -15351,13 +15430,13 @@
       </p:sp>
       <p:sp>
         <p:nvSpPr>
-          <p:cNvPr id="27" name="TextBox 26"/>
+          <p:cNvPr id="16" name="TextBox 15"/>
           <p:cNvSpPr txBox="1"/>
           <p:nvPr/>
         </p:nvSpPr>
         <p:spPr>
           <a:xfrm>
-            <a:off x="7848388" y="4862839"/>
+            <a:off x="8015656" y="5097014"/>
             <a:ext cx="2219093" cy="997196"/>
           </a:xfrm>
           <a:prstGeom prst="rect">
@@ -15427,7 +15506,7 @@
     </p:spTree>
     <p:extLst>
       <p:ext uri="{BB962C8B-B14F-4D97-AF65-F5344CB8AC3E}">
-        <p14:creationId xmlns:p14="http://schemas.microsoft.com/office/powerpoint/2010/main" val="3679944351"/>
+        <p14:creationId xmlns:p14="http://schemas.microsoft.com/office/powerpoint/2010/main" val="2609842981"/>
       </p:ext>
     </p:extLst>
   </p:cSld>
@@ -15488,7 +15567,7 @@
         </p:nvSpPr>
         <p:spPr>
           <a:xfrm>
-            <a:off x="920694" y="1683834"/>
+            <a:off x="920694" y="1572322"/>
             <a:ext cx="8787662" cy="453650"/>
           </a:xfrm>
           <a:prstGeom prst="rect">
@@ -15551,7 +15630,7 @@
         </p:nvSpPr>
         <p:spPr>
           <a:xfrm>
-            <a:off x="920694" y="2341756"/>
+            <a:off x="920694" y="2230244"/>
             <a:ext cx="8453468" cy="443198"/>
           </a:xfrm>
           <a:prstGeom prst="rect">
@@ -15614,7 +15693,7 @@
         </p:nvSpPr>
         <p:spPr>
           <a:xfrm>
-            <a:off x="920694" y="2999678"/>
+            <a:off x="920694" y="2888166"/>
             <a:ext cx="7328738" cy="443198"/>
           </a:xfrm>
           <a:prstGeom prst="rect">
@@ -15677,7 +15756,7 @@
         </p:nvSpPr>
         <p:spPr>
           <a:xfrm>
-            <a:off x="920694" y="4973444"/>
+            <a:off x="920694" y="4861932"/>
             <a:ext cx="9449703" cy="443198"/>
           </a:xfrm>
           <a:prstGeom prst="rect">
@@ -15740,7 +15819,7 @@
         </p:nvSpPr>
         <p:spPr>
           <a:xfrm>
-            <a:off x="920694" y="5631366"/>
+            <a:off x="920694" y="5519854"/>
             <a:ext cx="7719677" cy="443198"/>
           </a:xfrm>
           <a:prstGeom prst="rect">
@@ -15803,7 +15882,7 @@
         </p:nvSpPr>
         <p:spPr>
           <a:xfrm>
-            <a:off x="920694" y="3657600"/>
+            <a:off x="920694" y="3546088"/>
             <a:ext cx="8810489" cy="443198"/>
           </a:xfrm>
           <a:prstGeom prst="rect">
@@ -15866,7 +15945,7 @@
         </p:nvSpPr>
         <p:spPr>
           <a:xfrm>
-            <a:off x="920694" y="4315522"/>
+            <a:off x="920694" y="4204010"/>
             <a:ext cx="8250079" cy="443198"/>
           </a:xfrm>
           <a:prstGeom prst="rect">
@@ -15924,7 +16003,7 @@
     </p:spTree>
     <p:extLst>
       <p:ext uri="{BB962C8B-B14F-4D97-AF65-F5344CB8AC3E}">
-        <p14:creationId xmlns:p14="http://schemas.microsoft.com/office/powerpoint/2010/main" val="3453248174"/>
+        <p14:creationId xmlns:p14="http://schemas.microsoft.com/office/powerpoint/2010/main" val="3640070942"/>
       </p:ext>
     </p:extLst>
   </p:cSld>
@@ -15984,38 +16063,40 @@
             <a:spLocks noGrp="1"/>
           </p:cNvSpPr>
           <p:nvPr>
-            <p:ph idx="4294967295"/>
+            <p:ph idx="1"/>
           </p:nvPr>
         </p:nvSpPr>
         <p:spPr>
           <a:xfrm>
-            <a:off x="838200" y="1825625"/>
-            <a:ext cx="10515600" cy="4351338"/>
+            <a:off x="519248" y="1447800"/>
+            <a:ext cx="11151916" cy="984629"/>
           </a:xfrm>
-          <a:prstGeom prst="rect">
-            <a:avLst/>
-          </a:prstGeom>
         </p:spPr>
         <p:txBody>
           <a:bodyPr/>
           <a:lstStyle/>
           <a:p>
             <a:r>
+              <a:rPr lang="en-US" dirty="0"/>
+              <a:t>Robust, ready-to-use Docker hosting environment</a:t>
+            </a:r>
+          </a:p>
+          <a:p>
+            <a:r>
+              <a:rPr lang="en-US" dirty="0"/>
+              <a:t>Open-source orchestration tools (DC/OS and Swarm</a:t>
+            </a:r>
+            <a:r>
               <a:rPr lang="en-US" dirty="0" smtClean="0"/>
-              <a:t>Robust, ready-to-use Docker hosting environment</a:t>
-            </a:r>
-          </a:p>
-          <a:p>
-            <a:r>
-              <a:rPr lang="en-US" dirty="0" smtClean="0"/>
-              <a:t>Open-source orchestration tools (DC/OS and Swarm)</a:t>
-            </a:r>
+              <a:t>)</a:t>
+            </a:r>
+            <a:endParaRPr lang="en-US" dirty="0"/>
           </a:p>
         </p:txBody>
       </p:sp>
       <p:pic>
         <p:nvPicPr>
-          <p:cNvPr id="7" name="Picture 6"/>
+          <p:cNvPr id="5" name="Picture 4"/>
           <p:cNvPicPr>
             <a:picLocks noChangeAspect="1"/>
           </p:cNvPicPr>
@@ -16029,8 +16110,8 @@
         </p:blipFill>
         <p:spPr>
           <a:xfrm>
-            <a:off x="2780144" y="3206932"/>
-            <a:ext cx="6630126" cy="2970031"/>
+            <a:off x="2781300" y="2903729"/>
+            <a:ext cx="6629400" cy="2971800"/>
           </a:xfrm>
           <a:prstGeom prst="rect">
             <a:avLst/>
@@ -16040,7 +16121,7 @@
     </p:spTree>
     <p:extLst>
       <p:ext uri="{BB962C8B-B14F-4D97-AF65-F5344CB8AC3E}">
-        <p14:creationId xmlns:p14="http://schemas.microsoft.com/office/powerpoint/2010/main" val="763142164"/>
+        <p14:creationId xmlns:p14="http://schemas.microsoft.com/office/powerpoint/2010/main" val="1593658534"/>
       </p:ext>
     </p:extLst>
   </p:cSld>
@@ -16115,7 +16196,7 @@
         </p:blipFill>
         <p:spPr>
           <a:xfrm>
-            <a:off x="2352325" y="2004044"/>
+            <a:off x="2352325" y="1803322"/>
             <a:ext cx="7487349" cy="3850346"/>
           </a:xfrm>
           <a:prstGeom prst="rect">
@@ -16126,7 +16207,7 @@
     </p:spTree>
     <p:extLst>
       <p:ext uri="{BB962C8B-B14F-4D97-AF65-F5344CB8AC3E}">
-        <p14:creationId xmlns:p14="http://schemas.microsoft.com/office/powerpoint/2010/main" val="2874952738"/>
+        <p14:creationId xmlns:p14="http://schemas.microsoft.com/office/powerpoint/2010/main" val="3230002632"/>
       </p:ext>
     </p:extLst>
   </p:cSld>
